--- a/7. Group Project/W2D5_Project/PPT/Project Presentation.pptx
+++ b/7. Group Project/W2D5_Project/PPT/Project Presentation.pptx
@@ -6186,14 +6186,28 @@
             </a:r>
             <a:r>
               <a:rPr lang="en-US" dirty="0" smtClean="0"/>
-              <a:t> – Base Classes,</a:t>
-            </a:r>
-          </a:p>
-          <a:p>
+              <a:t> – Base Classes</a:t>
+            </a:r>
             <a:r>
               <a:rPr lang="en-US" dirty="0" smtClean="0"/>
-              <a:t>Lance Lopez – Chat Server-Client</a:t>
-            </a:r>
+              <a:t>, </a:t>
+            </a:r>
+            <a:r>
+              <a:rPr lang="en-US" smtClean="0"/>
+              <a:t>File Transactions</a:t>
+            </a:r>
+            <a:endParaRPr lang="en-US" dirty="0" smtClean="0"/>
+          </a:p>
+          <a:p>
+            <a:r>
+              <a:rPr lang="en-US" dirty="0" smtClean="0"/>
+              <a:t>Lance Lopez – </a:t>
+            </a:r>
+            <a:r>
+              <a:rPr lang="en-US" dirty="0" smtClean="0"/>
+              <a:t>Chat (Chat Server-Client)</a:t>
+            </a:r>
+            <a:endParaRPr lang="en-US" dirty="0" smtClean="0"/>
           </a:p>
           <a:p>
             <a:r>
@@ -6202,15 +6216,7 @@
             </a:r>
             <a:r>
               <a:rPr lang="en-US" dirty="0" smtClean="0"/>
-              <a:t> Fuentes </a:t>
-            </a:r>
-            <a:r>
-              <a:rPr lang="en-US" dirty="0" smtClean="0"/>
-              <a:t>– </a:t>
-            </a:r>
-            <a:r>
-              <a:rPr lang="en-US" dirty="0" smtClean="0"/>
-              <a:t>UML Diagram, Register, Login</a:t>
+              <a:t> Fuentes – UML Diagram, Register, Login</a:t>
             </a:r>
           </a:p>
           <a:p>
@@ -6224,15 +6230,7 @@
             </a:r>
             <a:r>
               <a:rPr lang="en-US" dirty="0" smtClean="0"/>
-              <a:t> </a:t>
-            </a:r>
-            <a:r>
-              <a:rPr lang="en-US" dirty="0" smtClean="0"/>
-              <a:t>– </a:t>
-            </a:r>
-            <a:r>
-              <a:rPr lang="en-US" dirty="0" smtClean="0"/>
-              <a:t>Database Transactions</a:t>
+              <a:t> – Database Transactions</a:t>
             </a:r>
           </a:p>
           <a:p>
@@ -6246,11 +6244,11 @@
             </a:r>
             <a:r>
               <a:rPr lang="en-US" dirty="0" smtClean="0"/>
-              <a:t> </a:t>
+              <a:t> – </a:t>
             </a:r>
             <a:r>
               <a:rPr lang="en-US" dirty="0" smtClean="0"/>
-              <a:t>– Chat Server-Client</a:t>
+              <a:t>Chat-Server, Chat-Client (Chat Server-Client)</a:t>
             </a:r>
             <a:endParaRPr lang="en-US" dirty="0" smtClean="0"/>
           </a:p>
@@ -6273,7 +6271,7 @@
             </a:r>
             <a:r>
               <a:rPr lang="en-US" dirty="0" smtClean="0"/>
-              <a:t>– Chat Server-Client</a:t>
+              <a:t>– Read Message, Send Message (Chat Server-Client)</a:t>
             </a:r>
             <a:endParaRPr lang="en-US" dirty="0"/>
           </a:p>
@@ -6553,7 +6551,7 @@
         <p:spPr/>
         <p:txBody>
           <a:bodyPr>
-            <a:normAutofit fontScale="77500" lnSpcReduction="20000"/>
+            <a:normAutofit fontScale="85000" lnSpcReduction="20000"/>
           </a:bodyPr>
           <a:lstStyle/>
           <a:p>
@@ -6588,7 +6586,6 @@
               <a:rPr lang="en-US" dirty="0" smtClean="0"/>
               <a:t>After login:</a:t>
             </a:r>
-            <a:endParaRPr lang="en-US" dirty="0" smtClean="0"/>
           </a:p>
           <a:p>
             <a:pPr lvl="1"/>
@@ -6596,21 +6593,16 @@
               <a:rPr lang="en-US" dirty="0" smtClean="0"/>
               <a:t>Join chat</a:t>
             </a:r>
-            <a:endParaRPr lang="en-US" dirty="0" smtClean="0"/>
-          </a:p>
-          <a:p>
-            <a:pPr lvl="1"/>
+          </a:p>
+          <a:p>
             <a:r>
               <a:rPr lang="en-US" dirty="0" smtClean="0"/>
-              <a:t>Wait for another client to chat with</a:t>
-            </a:r>
-          </a:p>
-          <a:p>
+              <a:t>Chat </a:t>
+            </a:r>
             <a:r>
               <a:rPr lang="en-US" dirty="0" smtClean="0"/>
-              <a:t>Chat begins:</a:t>
-            </a:r>
-            <a:endParaRPr lang="en-US" dirty="0" smtClean="0"/>
+              <a:t>begins:</a:t>
+            </a:r>
           </a:p>
           <a:p>
             <a:pPr lvl="1"/>
@@ -6618,7 +6610,6 @@
               <a:rPr lang="en-US" dirty="0" smtClean="0"/>
               <a:t>Send message</a:t>
             </a:r>
-            <a:endParaRPr lang="en-US" dirty="0" smtClean="0"/>
           </a:p>
           <a:p>
             <a:pPr lvl="1"/>
@@ -6626,7 +6617,6 @@
               <a:rPr lang="en-US" dirty="0" smtClean="0"/>
               <a:t>Receive message</a:t>
             </a:r>
-            <a:endParaRPr lang="en-US" dirty="0" smtClean="0"/>
           </a:p>
           <a:p>
             <a:pPr lvl="1"/>
@@ -6654,7 +6644,6 @@
               <a:rPr lang="en-US" dirty="0" smtClean="0"/>
               <a:t>Logout</a:t>
             </a:r>
-            <a:endParaRPr lang="en-US" dirty="0" smtClean="0"/>
           </a:p>
           <a:p>
             <a:pPr lvl="1"/>
@@ -6662,15 +6651,6 @@
               <a:rPr lang="en-US" dirty="0" smtClean="0"/>
               <a:t>Bye command</a:t>
             </a:r>
-            <a:endParaRPr lang="en-US" dirty="0" smtClean="0"/>
-          </a:p>
-          <a:p>
-            <a:pPr lvl="1"/>
-            <a:r>
-              <a:rPr lang="en-US" dirty="0" smtClean="0"/>
-              <a:t>‘Client B’ waits for another client</a:t>
-            </a:r>
-            <a:endParaRPr lang="en-US" dirty="0" smtClean="0"/>
           </a:p>
           <a:p>
             <a:pPr lvl="1"/>
@@ -6751,7 +6731,7 @@
         <p:spPr/>
         <p:txBody>
           <a:bodyPr>
-            <a:normAutofit fontScale="77500" lnSpcReduction="20000"/>
+            <a:normAutofit fontScale="70000" lnSpcReduction="20000"/>
           </a:bodyPr>
           <a:lstStyle/>
           <a:p>
@@ -6799,7 +6779,57 @@
             <a:pPr lvl="1"/>
             <a:r>
               <a:rPr lang="en-US" dirty="0" smtClean="0"/>
-              <a:t>File Transaction</a:t>
+              <a:t>Read </a:t>
+            </a:r>
+            <a:r>
+              <a:rPr lang="en-US" dirty="0" smtClean="0"/>
+              <a:t>Message</a:t>
+            </a:r>
+          </a:p>
+          <a:p>
+            <a:pPr lvl="1"/>
+            <a:r>
+              <a:rPr lang="en-US" dirty="0" smtClean="0"/>
+              <a:t>Send Message</a:t>
+            </a:r>
+          </a:p>
+          <a:p>
+            <a:r>
+              <a:rPr lang="en-US" dirty="0" smtClean="0"/>
+              <a:t>Base Classes</a:t>
+            </a:r>
+          </a:p>
+          <a:p>
+            <a:pPr lvl="1"/>
+            <a:r>
+              <a:rPr lang="en-US" dirty="0" smtClean="0"/>
+              <a:t>Message</a:t>
+            </a:r>
+          </a:p>
+          <a:p>
+            <a:pPr lvl="1"/>
+            <a:r>
+              <a:rPr lang="en-US" dirty="0" smtClean="0"/>
+              <a:t>Session</a:t>
+            </a:r>
+          </a:p>
+          <a:p>
+            <a:pPr lvl="1"/>
+            <a:r>
+              <a:rPr lang="en-US" dirty="0" smtClean="0"/>
+              <a:t>Client</a:t>
+            </a:r>
+          </a:p>
+          <a:p>
+            <a:r>
+              <a:rPr lang="en-US" dirty="0" smtClean="0"/>
+              <a:t>Default Page</a:t>
+            </a:r>
+          </a:p>
+          <a:p>
+            <a:r>
+              <a:rPr lang="en-US" dirty="0" smtClean="0"/>
+              <a:t>Utility Classes</a:t>
             </a:r>
           </a:p>
           <a:p>
@@ -6813,63 +6843,15 @@
             <a:pPr lvl="1"/>
             <a:r>
               <a:rPr lang="en-US" dirty="0" smtClean="0"/>
-              <a:t>Read Message</a:t>
+              <a:t>Timestamp</a:t>
             </a:r>
           </a:p>
           <a:p>
             <a:pPr lvl="1"/>
             <a:r>
               <a:rPr lang="en-US" dirty="0" smtClean="0"/>
-              <a:t>Send Message</a:t>
-            </a:r>
-          </a:p>
-          <a:p>
-            <a:r>
-              <a:rPr lang="en-US" dirty="0" smtClean="0"/>
-              <a:t>Base Classes</a:t>
-            </a:r>
-          </a:p>
-          <a:p>
-            <a:pPr lvl="1"/>
-            <a:r>
-              <a:rPr lang="en-US" dirty="0" smtClean="0"/>
-              <a:t>Message</a:t>
-            </a:r>
-          </a:p>
-          <a:p>
-            <a:pPr lvl="1"/>
-            <a:r>
-              <a:rPr lang="en-US" dirty="0" smtClean="0"/>
-              <a:t>Session</a:t>
-            </a:r>
-          </a:p>
-          <a:p>
-            <a:pPr lvl="1"/>
-            <a:r>
-              <a:rPr lang="en-US" dirty="0" smtClean="0"/>
-              <a:t>Client</a:t>
-            </a:r>
-          </a:p>
-          <a:p>
-            <a:r>
-              <a:rPr lang="en-US" dirty="0" smtClean="0"/>
-              <a:t>Default Page</a:t>
-            </a:r>
-            <a:endParaRPr lang="en-US" dirty="0" smtClean="0"/>
-          </a:p>
-          <a:p>
-            <a:r>
-              <a:rPr lang="en-US" dirty="0" smtClean="0"/>
-              <a:t>Timestamp</a:t>
-            </a:r>
-            <a:endParaRPr lang="en-US" dirty="0" smtClean="0"/>
-          </a:p>
-          <a:p>
-            <a:pPr lvl="1"/>
-            <a:endParaRPr lang="en-US" dirty="0" smtClean="0"/>
-          </a:p>
-          <a:p>
-            <a:pPr lvl="1"/>
+              <a:t>File Transaction</a:t>
+            </a:r>
             <a:endParaRPr lang="en-US" dirty="0" smtClean="0"/>
           </a:p>
           <a:p>

--- a/7. Group Project/W2D5_Project/PPT/Project Presentation.pptx
+++ b/7. Group Project/W2D5_Project/PPT/Project Presentation.pptx
@@ -394,7 +394,7 @@
             <a:fld id="{1D8BD707-D9CF-40AE-B4C6-C98DA3205C09}" type="datetimeFigureOut">
               <a:rPr lang="en-US" smtClean="0"/>
               <a:pPr/>
-              <a:t>6/26/2016</a:t>
+              <a:t>6/27/2016</a:t>
             </a:fld>
             <a:endParaRPr lang="en-US"/>
           </a:p>
@@ -789,7 +789,7 @@
             <a:fld id="{1D8BD707-D9CF-40AE-B4C6-C98DA3205C09}" type="datetimeFigureOut">
               <a:rPr lang="en-US" smtClean="0"/>
               <a:pPr/>
-              <a:t>6/26/2016</a:t>
+              <a:t>6/27/2016</a:t>
             </a:fld>
             <a:endParaRPr lang="en-US"/>
           </a:p>
@@ -1324,7 +1324,7 @@
             <a:fld id="{1D8BD707-D9CF-40AE-B4C6-C98DA3205C09}" type="datetimeFigureOut">
               <a:rPr lang="en-US" smtClean="0"/>
               <a:pPr/>
-              <a:t>6/26/2016</a:t>
+              <a:t>6/27/2016</a:t>
             </a:fld>
             <a:endParaRPr lang="en-US"/>
           </a:p>
@@ -1458,7 +1458,7 @@
             <a:fld id="{1D8BD707-D9CF-40AE-B4C6-C98DA3205C09}" type="datetimeFigureOut">
               <a:rPr lang="en-US" smtClean="0"/>
               <a:pPr/>
-              <a:t>6/26/2016</a:t>
+              <a:t>6/27/2016</a:t>
             </a:fld>
             <a:endParaRPr lang="en-US"/>
           </a:p>
@@ -2003,7 +2003,7 @@
             <a:fld id="{1D8BD707-D9CF-40AE-B4C6-C98DA3205C09}" type="datetimeFigureOut">
               <a:rPr lang="en-US" smtClean="0"/>
               <a:pPr/>
-              <a:t>6/26/2016</a:t>
+              <a:t>6/27/2016</a:t>
             </a:fld>
             <a:endParaRPr lang="en-US"/>
           </a:p>
@@ -2300,7 +2300,7 @@
             <a:fld id="{1D8BD707-D9CF-40AE-B4C6-C98DA3205C09}" type="datetimeFigureOut">
               <a:rPr lang="en-US" smtClean="0"/>
               <a:pPr/>
-              <a:t>6/26/2016</a:t>
+              <a:t>6/27/2016</a:t>
             </a:fld>
             <a:endParaRPr lang="en-US"/>
           </a:p>
@@ -2961,7 +2961,7 @@
             <a:fld id="{1D8BD707-D9CF-40AE-B4C6-C98DA3205C09}" type="datetimeFigureOut">
               <a:rPr lang="en-US" smtClean="0"/>
               <a:pPr/>
-              <a:t>6/26/2016</a:t>
+              <a:t>6/27/2016</a:t>
             </a:fld>
             <a:endParaRPr lang="en-US"/>
           </a:p>
@@ -3399,7 +3399,7 @@
             <a:fld id="{1D8BD707-D9CF-40AE-B4C6-C98DA3205C09}" type="datetimeFigureOut">
               <a:rPr lang="en-US" smtClean="0"/>
               <a:pPr/>
-              <a:t>6/26/2016</a:t>
+              <a:t>6/27/2016</a:t>
             </a:fld>
             <a:endParaRPr lang="en-US"/>
           </a:p>
@@ -3714,7 +3714,7 @@
             <a:fld id="{1D8BD707-D9CF-40AE-B4C6-C98DA3205C09}" type="datetimeFigureOut">
               <a:rPr lang="en-US" smtClean="0"/>
               <a:pPr/>
-              <a:t>6/26/2016</a:t>
+              <a:t>6/27/2016</a:t>
             </a:fld>
             <a:endParaRPr lang="en-US"/>
           </a:p>
@@ -4449,7 +4449,7 @@
             <a:fld id="{1D8BD707-D9CF-40AE-B4C6-C98DA3205C09}" type="datetimeFigureOut">
               <a:rPr lang="en-US" smtClean="0"/>
               <a:pPr/>
-              <a:t>6/26/2016</a:t>
+              <a:t>6/27/2016</a:t>
             </a:fld>
             <a:endParaRPr lang="en-US"/>
           </a:p>
@@ -5115,7 +5115,7 @@
             <a:fld id="{1D8BD707-D9CF-40AE-B4C6-C98DA3205C09}" type="datetimeFigureOut">
               <a:rPr lang="en-US" smtClean="0"/>
               <a:pPr/>
-              <a:t>6/26/2016</a:t>
+              <a:t>6/27/2016</a:t>
             </a:fld>
             <a:endParaRPr lang="en-US"/>
           </a:p>
@@ -5389,7 +5389,7 @@
             <a:fld id="{1D8BD707-D9CF-40AE-B4C6-C98DA3205C09}" type="datetimeFigureOut">
               <a:rPr lang="en-US" smtClean="0"/>
               <a:pPr/>
-              <a:t>6/26/2016</a:t>
+              <a:t>6/27/2016</a:t>
             </a:fld>
             <a:endParaRPr lang="en-US"/>
           </a:p>
@@ -6169,7 +6169,9 @@
         </p:nvSpPr>
         <p:spPr/>
         <p:txBody>
-          <a:bodyPr/>
+          <a:bodyPr>
+            <a:normAutofit fontScale="92500" lnSpcReduction="10000"/>
+          </a:bodyPr>
           <a:lstStyle/>
           <a:p>
             <a:r>
@@ -6186,28 +6188,19 @@
             </a:r>
             <a:r>
               <a:rPr lang="en-US" dirty="0" smtClean="0"/>
-              <a:t> – Base Classes</a:t>
+              <a:t> – Base Classes, File </a:t>
             </a:r>
             <a:r>
               <a:rPr lang="en-US" dirty="0" smtClean="0"/>
-              <a:t>, </a:t>
-            </a:r>
-            <a:r>
-              <a:rPr lang="en-US" smtClean="0"/>
-              <a:t>File Transactions</a:t>
+              <a:t>Transactions, General Debugging, Test Cases</a:t>
             </a:r>
             <a:endParaRPr lang="en-US" dirty="0" smtClean="0"/>
           </a:p>
           <a:p>
             <a:r>
               <a:rPr lang="en-US" dirty="0" smtClean="0"/>
-              <a:t>Lance Lopez – </a:t>
-            </a:r>
-            <a:r>
-              <a:rPr lang="en-US" dirty="0" smtClean="0"/>
-              <a:t>Chat (Chat Server-Client)</a:t>
-            </a:r>
-            <a:endParaRPr lang="en-US" dirty="0" smtClean="0"/>
+              <a:t>Lance Lopez – Chat (Chat Server-Client)</a:t>
+            </a:r>
           </a:p>
           <a:p>
             <a:r>
@@ -6216,8 +6209,17 @@
             </a:r>
             <a:r>
               <a:rPr lang="en-US" dirty="0" smtClean="0"/>
-              <a:t> Fuentes – UML Diagram, Register, Login</a:t>
-            </a:r>
+              <a:t> Fuentes – UML Diagram, Register, </a:t>
+            </a:r>
+            <a:r>
+              <a:rPr lang="en-US" dirty="0" smtClean="0"/>
+              <a:t>Login, </a:t>
+            </a:r>
+            <a:r>
+              <a:rPr lang="en-US" dirty="0" smtClean="0"/>
+              <a:t>Test Cases</a:t>
+            </a:r>
+            <a:endParaRPr lang="en-US" dirty="0" smtClean="0"/>
           </a:p>
           <a:p>
             <a:r>
@@ -6230,8 +6232,21 @@
             </a:r>
             <a:r>
               <a:rPr lang="en-US" dirty="0" smtClean="0"/>
-              <a:t> – Database Transactions</a:t>
-            </a:r>
+              <a:t> – Database </a:t>
+            </a:r>
+            <a:r>
+              <a:rPr lang="en-US" dirty="0" smtClean="0"/>
+              <a:t>Transactions, General </a:t>
+            </a:r>
+            <a:r>
+              <a:rPr lang="en-US" dirty="0" smtClean="0"/>
+              <a:t>Debugging , </a:t>
+            </a:r>
+            <a:r>
+              <a:rPr lang="en-US" dirty="0" smtClean="0"/>
+              <a:t>Test Cases</a:t>
+            </a:r>
+            <a:endParaRPr lang="en-US" dirty="0" smtClean="0"/>
           </a:p>
           <a:p>
             <a:r>
@@ -6244,13 +6259,8 @@
             </a:r>
             <a:r>
               <a:rPr lang="en-US" dirty="0" smtClean="0"/>
-              <a:t> – </a:t>
-            </a:r>
-            <a:r>
-              <a:rPr lang="en-US" dirty="0" smtClean="0"/>
-              <a:t>Chat-Server, Chat-Client (Chat Server-Client)</a:t>
-            </a:r>
-            <a:endParaRPr lang="en-US" dirty="0" smtClean="0"/>
+              <a:t> – Chat-Server, Chat-Client (Chat Server-Client)</a:t>
+            </a:r>
           </a:p>
           <a:p>
             <a:r>
@@ -6267,11 +6277,11 @@
             </a:r>
             <a:r>
               <a:rPr lang="en-US" dirty="0" smtClean="0"/>
-              <a:t> </a:t>
+              <a:t> – Read Message, Send Message (Chat Server-Client</a:t>
             </a:r>
             <a:r>
               <a:rPr lang="en-US" dirty="0" smtClean="0"/>
-              <a:t>– Read Message, Send Message (Chat Server-Client)</a:t>
+              <a:t>), General Debugging</a:t>
             </a:r>
             <a:endParaRPr lang="en-US" dirty="0"/>
           </a:p>
@@ -6551,7 +6561,7 @@
         <p:spPr/>
         <p:txBody>
           <a:bodyPr>
-            <a:normAutofit fontScale="85000" lnSpcReduction="20000"/>
+            <a:normAutofit fontScale="92500" lnSpcReduction="20000"/>
           </a:bodyPr>
           <a:lstStyle/>
           <a:p>
@@ -6575,33 +6585,30 @@
             </a:r>
           </a:p>
           <a:p>
+            <a:r>
+              <a:rPr lang="en-US" smtClean="0"/>
+              <a:t>After </a:t>
+            </a:r>
+            <a:r>
+              <a:rPr lang="en-US" dirty="0" smtClean="0"/>
+              <a:t>login:</a:t>
+            </a:r>
+          </a:p>
+          <a:p>
             <a:pPr lvl="1"/>
             <a:r>
               <a:rPr lang="en-US" dirty="0" smtClean="0"/>
-              <a:t>Login anonymously</a:t>
-            </a:r>
-          </a:p>
-          <a:p>
+              <a:t>Join </a:t>
+            </a:r>
             <a:r>
               <a:rPr lang="en-US" dirty="0" smtClean="0"/>
-              <a:t>After login:</a:t>
-            </a:r>
-          </a:p>
-          <a:p>
-            <a:pPr lvl="1"/>
+              <a:t>chat</a:t>
+            </a:r>
+          </a:p>
+          <a:p>
             <a:r>
               <a:rPr lang="en-US" dirty="0" smtClean="0"/>
-              <a:t>Join chat</a:t>
-            </a:r>
-          </a:p>
-          <a:p>
-            <a:r>
-              <a:rPr lang="en-US" dirty="0" smtClean="0"/>
-              <a:t>Chat </a:t>
-            </a:r>
-            <a:r>
-              <a:rPr lang="en-US" dirty="0" smtClean="0"/>
-              <a:t>begins:</a:t>
+              <a:t>Chat begins:</a:t>
             </a:r>
           </a:p>
           <a:p>
@@ -6779,8 +6786,24 @@
             <a:pPr lvl="1"/>
             <a:r>
               <a:rPr lang="en-US" dirty="0" smtClean="0"/>
-              <a:t>Read </a:t>
-            </a:r>
+              <a:t>Read Message</a:t>
+            </a:r>
+          </a:p>
+          <a:p>
+            <a:pPr lvl="1"/>
+            <a:r>
+              <a:rPr lang="en-US" dirty="0" smtClean="0"/>
+              <a:t>Send Message</a:t>
+            </a:r>
+          </a:p>
+          <a:p>
+            <a:r>
+              <a:rPr lang="en-US" dirty="0" smtClean="0"/>
+              <a:t>Base Classes</a:t>
+            </a:r>
+          </a:p>
+          <a:p>
+            <a:pPr lvl="1"/>
             <a:r>
               <a:rPr lang="en-US" dirty="0" smtClean="0"/>
               <a:t>Message</a:t>
@@ -6790,26 +6813,6 @@
             <a:pPr lvl="1"/>
             <a:r>
               <a:rPr lang="en-US" dirty="0" smtClean="0"/>
-              <a:t>Send Message</a:t>
-            </a:r>
-          </a:p>
-          <a:p>
-            <a:r>
-              <a:rPr lang="en-US" dirty="0" smtClean="0"/>
-              <a:t>Base Classes</a:t>
-            </a:r>
-          </a:p>
-          <a:p>
-            <a:pPr lvl="1"/>
-            <a:r>
-              <a:rPr lang="en-US" dirty="0" smtClean="0"/>
-              <a:t>Message</a:t>
-            </a:r>
-          </a:p>
-          <a:p>
-            <a:pPr lvl="1"/>
-            <a:r>
-              <a:rPr lang="en-US" dirty="0" smtClean="0"/>
               <a:t>Session</a:t>
             </a:r>
           </a:p>
@@ -6852,7 +6855,6 @@
               <a:rPr lang="en-US" dirty="0" smtClean="0"/>
               <a:t>File Transaction</a:t>
             </a:r>
-            <a:endParaRPr lang="en-US" dirty="0" smtClean="0"/>
           </a:p>
           <a:p>
             <a:pPr lvl="1"/>
